--- a/project_sotirios_konstantinos.pptx
+++ b/project_sotirios_konstantinos.pptx
@@ -269,7 +269,7 @@
           <p:cNvPr id="5" name="Slide Number Placeholder 4">
             <a:extLst>
               <a:ext uri="{FF2B5EF4-FFF2-40B4-BE49-F238E27FC236}">
-                <a16:creationId xmlns:a16="http://schemas.microsoft.com/office/drawing/2014/main" xmlns="" id="{16F9C473-A00E-481E-A6E8-16CFC626F81B}"/>
+                <a16:creationId xmlns="" xmlns:a16="http://schemas.microsoft.com/office/drawing/2014/main" id="{16F9C473-A00E-481E-A6E8-16CFC626F81B}"/>
               </a:ext>
             </a:extLst>
           </p:cNvPr>
@@ -1112,7 +1112,7 @@
           <p:cNvPr id="4" name="fc" descr=" ">
             <a:extLst>
               <a:ext uri="{FF2B5EF4-FFF2-40B4-BE49-F238E27FC236}">
-                <a16:creationId xmlns:a16="http://schemas.microsoft.com/office/drawing/2014/main" xmlns="" id="{D3C01816-FA69-48D2-98AB-DDC0C3C08C2F}"/>
+                <a16:creationId xmlns="" xmlns:a16="http://schemas.microsoft.com/office/drawing/2014/main" id="{D3C01816-FA69-48D2-98AB-DDC0C3C08C2F}"/>
               </a:ext>
             </a:extLst>
           </p:cNvPr>
@@ -1153,7 +1153,7 @@
           <p:cNvPr id="7" name="TextBox 6">
             <a:extLst>
               <a:ext uri="{FF2B5EF4-FFF2-40B4-BE49-F238E27FC236}">
-                <a16:creationId xmlns:a16="http://schemas.microsoft.com/office/drawing/2014/main" xmlns="" id="{78F1C033-2C99-4085-9CF4-AA2190DA459D}"/>
+                <a16:creationId xmlns="" xmlns:a16="http://schemas.microsoft.com/office/drawing/2014/main" id="{78F1C033-2C99-4085-9CF4-AA2190DA459D}"/>
               </a:ext>
             </a:extLst>
           </p:cNvPr>
@@ -1188,7 +1188,7 @@
           <p:cNvPr id="9" name="Picture 8" descr="A picture containing text&#10;&#10;Description automatically generated">
             <a:extLst>
               <a:ext uri="{FF2B5EF4-FFF2-40B4-BE49-F238E27FC236}">
-                <a16:creationId xmlns:a16="http://schemas.microsoft.com/office/drawing/2014/main" xmlns="" id="{11FB35B3-AA2B-44D0-9A30-1E51F832B8F6}"/>
+                <a16:creationId xmlns="" xmlns:a16="http://schemas.microsoft.com/office/drawing/2014/main" id="{11FB35B3-AA2B-44D0-9A30-1E51F832B8F6}"/>
               </a:ext>
             </a:extLst>
           </p:cNvPr>
@@ -1604,7 +1604,7 @@
           <p:cNvPr id="5" name="Title 4">
             <a:extLst>
               <a:ext uri="{FF2B5EF4-FFF2-40B4-BE49-F238E27FC236}">
-                <a16:creationId xmlns:a16="http://schemas.microsoft.com/office/drawing/2014/main" xmlns="" id="{F93F8B77-1B87-4552-A2E5-FDC7480B4B73}"/>
+                <a16:creationId xmlns="" xmlns:a16="http://schemas.microsoft.com/office/drawing/2014/main" id="{F93F8B77-1B87-4552-A2E5-FDC7480B4B73}"/>
               </a:ext>
             </a:extLst>
           </p:cNvPr>
@@ -1627,12 +1627,12 @@
           <a:p>
             <a:pPr algn="ctr"/>
             <a:r>
-              <a:rPr lang="en-IE" dirty="0"/>
-              <a:t>&lt;Project Title</a:t>
-            </a:r>
-            <a:r>
               <a:rPr lang="en-IE" dirty="0" smtClean="0"/>
-              <a:t>&gt;</a:t>
+              <a:t>FPGA-powered Image reconstruction</a:t>
+            </a:r>
+            <a:r>
+              <a:rPr lang="en-IE" dirty="0" smtClean="0"/>
+              <a:t/>
             </a:r>
             <a:br>
               <a:rPr lang="en-IE" dirty="0" smtClean="0"/>
@@ -1677,7 +1677,7 @@
           <p:cNvPr id="6" name="Content Placeholder 5">
             <a:extLst>
               <a:ext uri="{FF2B5EF4-FFF2-40B4-BE49-F238E27FC236}">
-                <a16:creationId xmlns:a16="http://schemas.microsoft.com/office/drawing/2014/main" xmlns="" id="{835B8C9C-D928-4BF3-AE74-96CE7BF3A31D}"/>
+                <a16:creationId xmlns="" xmlns:a16="http://schemas.microsoft.com/office/drawing/2014/main" id="{835B8C9C-D928-4BF3-AE74-96CE7BF3A31D}"/>
               </a:ext>
             </a:extLst>
           </p:cNvPr>
@@ -1699,42 +1699,30 @@
           <a:lstStyle/>
           <a:p>
             <a:r>
-              <a:rPr lang="en-IE" dirty="0"/>
-              <a:t>Summary of what you </a:t>
-            </a:r>
-            <a:r>
               <a:rPr lang="en-IE" dirty="0" smtClean="0"/>
-              <a:t>did</a:t>
+              <a:t>Project Summary</a:t>
+            </a:r>
+          </a:p>
+          <a:p>
+            <a:pPr lvl="1"/>
+            <a:r>
+              <a:rPr lang="en-IE" dirty="0" smtClean="0"/>
+              <a:t>Read premade simulated pulse-sensor data</a:t>
+            </a:r>
+          </a:p>
+          <a:p>
+            <a:pPr lvl="1"/>
+            <a:r>
+              <a:rPr lang="en-IE" dirty="0" smtClean="0"/>
+              <a:t>Reconstruct the original image reconstruction</a:t>
             </a:r>
             <a:endParaRPr lang="en-IE" dirty="0"/>
           </a:p>
           <a:p>
-            <a:pPr lvl="1"/>
-            <a:r>
-              <a:rPr lang="en-IE" dirty="0"/>
-              <a:t>Plan – what you tried</a:t>
-            </a:r>
-          </a:p>
-          <a:p>
-            <a:pPr lvl="1"/>
-            <a:r>
-              <a:rPr lang="en-IE" dirty="0"/>
-              <a:t>Final project – what you ended up </a:t>
-            </a:r>
-            <a:r>
-              <a:rPr lang="en-IE" dirty="0" smtClean="0"/>
-              <a:t>doing</a:t>
-            </a:r>
+            <a:pPr marL="232845" lvl="1" indent="0">
+              <a:buNone/>
+            </a:pPr>
             <a:endParaRPr lang="en-IE" dirty="0"/>
-          </a:p>
-          <a:p>
-            <a:endParaRPr lang="en-IE" dirty="0"/>
-          </a:p>
-          <a:p>
-            <a:r>
-              <a:rPr lang="en-IE" dirty="0"/>
-              <a:t>Block diagram?</a:t>
-            </a:r>
           </a:p>
         </p:txBody>
       </p:sp>
@@ -1743,7 +1731,7 @@
           <p:cNvPr id="7" name="Content Placeholder 6">
             <a:extLst>
               <a:ext uri="{FF2B5EF4-FFF2-40B4-BE49-F238E27FC236}">
-                <a16:creationId xmlns:a16="http://schemas.microsoft.com/office/drawing/2014/main" xmlns="" id="{11BBD217-0F52-452B-8978-4DBFCF1C5840}"/>
+                <a16:creationId xmlns="" xmlns:a16="http://schemas.microsoft.com/office/drawing/2014/main" id="{11BBD217-0F52-452B-8978-4DBFCF1C5840}"/>
               </a:ext>
             </a:extLst>
           </p:cNvPr>
@@ -1776,7 +1764,7 @@
           <p:cNvPr id="8" name="Content Placeholder 5">
             <a:extLst>
               <a:ext uri="{FF2B5EF4-FFF2-40B4-BE49-F238E27FC236}">
-                <a16:creationId xmlns:a16="http://schemas.microsoft.com/office/drawing/2014/main" xmlns="" id="{7C6CE588-B9E7-4563-B32E-AEA28388DBC0}"/>
+                <a16:creationId xmlns="" xmlns:a16="http://schemas.microsoft.com/office/drawing/2014/main" id="{7C6CE588-B9E7-4563-B32E-AEA28388DBC0}"/>
               </a:ext>
             </a:extLst>
           </p:cNvPr>
@@ -1985,452 +1973,13 @@
           </a:lstStyle>
           <a:p>
             <a:r>
-              <a:rPr lang="en-IE" dirty="0"/>
-              <a:t>Results, Image?</a:t>
-            </a:r>
+              <a:rPr lang="en-IE" dirty="0" smtClean="0"/>
+              <a:t>Results:</a:t>
+            </a:r>
+            <a:endParaRPr lang="en-IE" dirty="0"/>
           </a:p>
         </p:txBody>
       </p:sp>
-      <p:pic>
-        <p:nvPicPr>
-          <p:cNvPr id="1028" name="Picture 4" descr="JavaScript Challenge - Canny Edge Detector — Steemit">
-            <a:extLst>
-              <a:ext uri="{FF2B5EF4-FFF2-40B4-BE49-F238E27FC236}">
-                <a16:creationId xmlns:a16="http://schemas.microsoft.com/office/drawing/2014/main" xmlns="" id="{54D8C9B5-CF67-4E17-AC4A-B5C172C25474}"/>
-              </a:ext>
-            </a:extLst>
-          </p:cNvPr>
-          <p:cNvPicPr>
-            <a:picLocks noChangeAspect="1" noChangeArrowheads="1"/>
-          </p:cNvPicPr>
-          <p:nvPr/>
-        </p:nvPicPr>
-        <p:blipFill>
-          <a:blip r:embed="rId2">
-            <a:extLst>
-              <a:ext uri="{28A0092B-C50C-407E-A947-70E740481C1C}">
-                <a14:useLocalDpi xmlns:a14="http://schemas.microsoft.com/office/drawing/2010/main" val="0"/>
-              </a:ext>
-            </a:extLst>
-          </a:blip>
-          <a:srcRect/>
-          <a:stretch>
-            <a:fillRect/>
-          </a:stretch>
-        </p:blipFill>
-        <p:spPr bwMode="auto">
-          <a:xfrm>
-            <a:off x="8616280" y="4797152"/>
-            <a:ext cx="3381375" cy="1352550"/>
-          </a:xfrm>
-          <a:prstGeom prst="rect">
-            <a:avLst/>
-          </a:prstGeom>
-          <a:noFill/>
-          <a:extLst>
-            <a:ext uri="{909E8E84-426E-40DD-AFC4-6F175D3DCCD1}">
-              <a14:hiddenFill xmlns:a14="http://schemas.microsoft.com/office/drawing/2010/main">
-                <a:solidFill>
-                  <a:srgbClr val="FFFFFF"/>
-                </a:solidFill>
-              </a14:hiddenFill>
-            </a:ext>
-          </a:extLst>
-        </p:spPr>
-      </p:pic>
-      <p:pic>
-        <p:nvPicPr>
-          <p:cNvPr id="1029" name="Picture 5">
-            <a:extLst>
-              <a:ext uri="{FF2B5EF4-FFF2-40B4-BE49-F238E27FC236}">
-                <a16:creationId xmlns:a16="http://schemas.microsoft.com/office/drawing/2014/main" xmlns="" id="{DC1DAA74-86CC-4268-9226-DD2E55611988}"/>
-              </a:ext>
-            </a:extLst>
-          </p:cNvPr>
-          <p:cNvPicPr>
-            <a:picLocks noChangeAspect="1" noChangeArrowheads="1"/>
-          </p:cNvPicPr>
-          <p:nvPr/>
-        </p:nvPicPr>
-        <p:blipFill rotWithShape="1">
-          <a:blip r:embed="rId3">
-            <a:extLst>
-              <a:ext uri="{28A0092B-C50C-407E-A947-70E740481C1C}">
-                <a14:useLocalDpi xmlns:a14="http://schemas.microsoft.com/office/drawing/2010/main" val="0"/>
-              </a:ext>
-            </a:extLst>
-          </a:blip>
-          <a:srcRect t="43106" r="25195"/>
-          <a:stretch/>
-        </p:blipFill>
-        <p:spPr bwMode="auto">
-          <a:xfrm>
-            <a:off x="6312024" y="4725144"/>
-            <a:ext cx="2158994" cy="1507674"/>
-          </a:xfrm>
-          <a:prstGeom prst="rect">
-            <a:avLst/>
-          </a:prstGeom>
-          <a:noFill/>
-          <a:ln>
-            <a:noFill/>
-          </a:ln>
-          <a:extLst>
-            <a:ext uri="{909E8E84-426E-40DD-AFC4-6F175D3DCCD1}">
-              <a14:hiddenFill xmlns:a14="http://schemas.microsoft.com/office/drawing/2010/main">
-                <a:solidFill>
-                  <a:srgbClr val="FFFFFF"/>
-                </a:solidFill>
-              </a14:hiddenFill>
-            </a:ext>
-            <a:ext uri="{91240B29-F687-4F45-9708-019B960494DF}">
-              <a14:hiddenLine xmlns:a14="http://schemas.microsoft.com/office/drawing/2010/main" w="9525">
-                <a:solidFill>
-                  <a:srgbClr val="000000"/>
-                </a:solidFill>
-                <a:miter lim="800000"/>
-                <a:headEnd/>
-                <a:tailEnd/>
-              </a14:hiddenLine>
-            </a:ext>
-          </a:extLst>
-        </p:spPr>
-      </p:pic>
-      <p:sp>
-        <p:nvSpPr>
-          <p:cNvPr id="2" name="Rectangle 1">
-            <a:extLst>
-              <a:ext uri="{FF2B5EF4-FFF2-40B4-BE49-F238E27FC236}">
-                <a16:creationId xmlns:a16="http://schemas.microsoft.com/office/drawing/2014/main" xmlns="" id="{EA123FDC-A3AB-48C9-9895-F2BDEAE9514C}"/>
-              </a:ext>
-            </a:extLst>
-          </p:cNvPr>
-          <p:cNvSpPr/>
-          <p:nvPr/>
-        </p:nvSpPr>
-        <p:spPr>
-          <a:xfrm>
-            <a:off x="983432" y="5085184"/>
-            <a:ext cx="720080" cy="720080"/>
-          </a:xfrm>
-          <a:prstGeom prst="rect">
-            <a:avLst/>
-          </a:prstGeom>
-          <a:solidFill>
-            <a:schemeClr val="accent2"/>
-          </a:solidFill>
-          <a:ln>
-            <a:noFill/>
-          </a:ln>
-        </p:spPr>
-        <p:style>
-          <a:lnRef idx="2">
-            <a:schemeClr val="accent1">
-              <a:shade val="50000"/>
-            </a:schemeClr>
-          </a:lnRef>
-          <a:fillRef idx="1">
-            <a:schemeClr val="accent1"/>
-          </a:fillRef>
-          <a:effectRef idx="0">
-            <a:schemeClr val="accent1"/>
-          </a:effectRef>
-          <a:fontRef idx="minor">
-            <a:schemeClr val="lt1"/>
-          </a:fontRef>
-        </p:style>
-        <p:txBody>
-          <a:bodyPr rtlCol="0" anchor="ctr"/>
-          <a:lstStyle/>
-          <a:p>
-            <a:pPr algn="ctr"/>
-            <a:endParaRPr lang="en-IE" dirty="0"/>
-          </a:p>
-        </p:txBody>
-      </p:sp>
-      <p:sp>
-        <p:nvSpPr>
-          <p:cNvPr id="10" name="Rectangle 9">
-            <a:extLst>
-              <a:ext uri="{FF2B5EF4-FFF2-40B4-BE49-F238E27FC236}">
-                <a16:creationId xmlns:a16="http://schemas.microsoft.com/office/drawing/2014/main" xmlns="" id="{0F765B99-4CA1-41E3-AA34-95C43E4978C5}"/>
-              </a:ext>
-            </a:extLst>
-          </p:cNvPr>
-          <p:cNvSpPr/>
-          <p:nvPr/>
-        </p:nvSpPr>
-        <p:spPr>
-          <a:xfrm>
-            <a:off x="2063552" y="5085184"/>
-            <a:ext cx="720080" cy="720080"/>
-          </a:xfrm>
-          <a:prstGeom prst="rect">
-            <a:avLst/>
-          </a:prstGeom>
-          <a:solidFill>
-            <a:schemeClr val="accent2"/>
-          </a:solidFill>
-          <a:ln>
-            <a:noFill/>
-          </a:ln>
-        </p:spPr>
-        <p:style>
-          <a:lnRef idx="2">
-            <a:schemeClr val="accent1">
-              <a:shade val="50000"/>
-            </a:schemeClr>
-          </a:lnRef>
-          <a:fillRef idx="1">
-            <a:schemeClr val="accent1"/>
-          </a:fillRef>
-          <a:effectRef idx="0">
-            <a:schemeClr val="accent1"/>
-          </a:effectRef>
-          <a:fontRef idx="minor">
-            <a:schemeClr val="lt1"/>
-          </a:fontRef>
-        </p:style>
-        <p:txBody>
-          <a:bodyPr rtlCol="0" anchor="ctr"/>
-          <a:lstStyle/>
-          <a:p>
-            <a:pPr algn="ctr"/>
-            <a:endParaRPr lang="en-IE"/>
-          </a:p>
-        </p:txBody>
-      </p:sp>
-      <p:sp>
-        <p:nvSpPr>
-          <p:cNvPr id="11" name="Rectangle 10">
-            <a:extLst>
-              <a:ext uri="{FF2B5EF4-FFF2-40B4-BE49-F238E27FC236}">
-                <a16:creationId xmlns:a16="http://schemas.microsoft.com/office/drawing/2014/main" xmlns="" id="{20E3F89A-2EBD-4FA1-B201-722AAC9C57CE}"/>
-              </a:ext>
-            </a:extLst>
-          </p:cNvPr>
-          <p:cNvSpPr/>
-          <p:nvPr/>
-        </p:nvSpPr>
-        <p:spPr>
-          <a:xfrm>
-            <a:off x="3071664" y="5085184"/>
-            <a:ext cx="720080" cy="720080"/>
-          </a:xfrm>
-          <a:prstGeom prst="rect">
-            <a:avLst/>
-          </a:prstGeom>
-          <a:solidFill>
-            <a:schemeClr val="accent2"/>
-          </a:solidFill>
-          <a:ln>
-            <a:noFill/>
-          </a:ln>
-        </p:spPr>
-        <p:style>
-          <a:lnRef idx="2">
-            <a:schemeClr val="accent1">
-              <a:shade val="50000"/>
-            </a:schemeClr>
-          </a:lnRef>
-          <a:fillRef idx="1">
-            <a:schemeClr val="accent1"/>
-          </a:fillRef>
-          <a:effectRef idx="0">
-            <a:schemeClr val="accent1"/>
-          </a:effectRef>
-          <a:fontRef idx="minor">
-            <a:schemeClr val="lt1"/>
-          </a:fontRef>
-        </p:style>
-        <p:txBody>
-          <a:bodyPr rtlCol="0" anchor="ctr"/>
-          <a:lstStyle/>
-          <a:p>
-            <a:pPr algn="ctr"/>
-            <a:endParaRPr lang="en-IE"/>
-          </a:p>
-        </p:txBody>
-      </p:sp>
-      <p:sp>
-        <p:nvSpPr>
-          <p:cNvPr id="12" name="Rectangle 11">
-            <a:extLst>
-              <a:ext uri="{FF2B5EF4-FFF2-40B4-BE49-F238E27FC236}">
-                <a16:creationId xmlns:a16="http://schemas.microsoft.com/office/drawing/2014/main" xmlns="" id="{57173F78-B311-47F2-973C-99C5A3EA22EC}"/>
-              </a:ext>
-            </a:extLst>
-          </p:cNvPr>
-          <p:cNvSpPr/>
-          <p:nvPr/>
-        </p:nvSpPr>
-        <p:spPr>
-          <a:xfrm>
-            <a:off x="4151784" y="5085184"/>
-            <a:ext cx="720080" cy="720080"/>
-          </a:xfrm>
-          <a:prstGeom prst="rect">
-            <a:avLst/>
-          </a:prstGeom>
-          <a:solidFill>
-            <a:schemeClr val="accent2"/>
-          </a:solidFill>
-          <a:ln>
-            <a:noFill/>
-          </a:ln>
-        </p:spPr>
-        <p:style>
-          <a:lnRef idx="2">
-            <a:schemeClr val="accent1">
-              <a:shade val="50000"/>
-            </a:schemeClr>
-          </a:lnRef>
-          <a:fillRef idx="1">
-            <a:schemeClr val="accent1"/>
-          </a:fillRef>
-          <a:effectRef idx="0">
-            <a:schemeClr val="accent1"/>
-          </a:effectRef>
-          <a:fontRef idx="minor">
-            <a:schemeClr val="lt1"/>
-          </a:fontRef>
-        </p:style>
-        <p:txBody>
-          <a:bodyPr rtlCol="0" anchor="ctr"/>
-          <a:lstStyle/>
-          <a:p>
-            <a:pPr algn="ctr"/>
-            <a:endParaRPr lang="en-IE"/>
-          </a:p>
-        </p:txBody>
-      </p:sp>
-      <p:cxnSp>
-        <p:nvCxnSpPr>
-          <p:cNvPr id="4" name="Straight Arrow Connector 3">
-            <a:extLst>
-              <a:ext uri="{FF2B5EF4-FFF2-40B4-BE49-F238E27FC236}">
-                <a16:creationId xmlns:a16="http://schemas.microsoft.com/office/drawing/2014/main" xmlns="" id="{0CDAA541-534A-4CA7-AED3-7F258C3C7CC6}"/>
-              </a:ext>
-            </a:extLst>
-          </p:cNvPr>
-          <p:cNvCxnSpPr>
-            <a:stCxn id="2" idx="3"/>
-            <a:endCxn id="10" idx="1"/>
-          </p:cNvCxnSpPr>
-          <p:nvPr/>
-        </p:nvCxnSpPr>
-        <p:spPr>
-          <a:xfrm>
-            <a:off x="1703512" y="5445224"/>
-            <a:ext cx="360040" cy="0"/>
-          </a:xfrm>
-          <a:prstGeom prst="straightConnector1">
-            <a:avLst/>
-          </a:prstGeom>
-          <a:ln>
-            <a:tailEnd type="triangle"/>
-          </a:ln>
-        </p:spPr>
-        <p:style>
-          <a:lnRef idx="1">
-            <a:schemeClr val="accent1"/>
-          </a:lnRef>
-          <a:fillRef idx="0">
-            <a:schemeClr val="accent1"/>
-          </a:fillRef>
-          <a:effectRef idx="0">
-            <a:schemeClr val="accent1"/>
-          </a:effectRef>
-          <a:fontRef idx="minor">
-            <a:schemeClr val="tx1"/>
-          </a:fontRef>
-        </p:style>
-      </p:cxnSp>
-      <p:cxnSp>
-        <p:nvCxnSpPr>
-          <p:cNvPr id="13" name="Straight Arrow Connector 12">
-            <a:extLst>
-              <a:ext uri="{FF2B5EF4-FFF2-40B4-BE49-F238E27FC236}">
-                <a16:creationId xmlns:a16="http://schemas.microsoft.com/office/drawing/2014/main" xmlns="" id="{F24B6D10-A739-4CE6-930F-ADA7FB0A751A}"/>
-              </a:ext>
-            </a:extLst>
-          </p:cNvPr>
-          <p:cNvCxnSpPr>
-            <a:stCxn id="10" idx="3"/>
-            <a:endCxn id="11" idx="1"/>
-          </p:cNvCxnSpPr>
-          <p:nvPr/>
-        </p:nvCxnSpPr>
-        <p:spPr>
-          <a:xfrm>
-            <a:off x="2783632" y="5445224"/>
-            <a:ext cx="288032" cy="0"/>
-          </a:xfrm>
-          <a:prstGeom prst="straightConnector1">
-            <a:avLst/>
-          </a:prstGeom>
-          <a:ln>
-            <a:tailEnd type="triangle"/>
-          </a:ln>
-        </p:spPr>
-        <p:style>
-          <a:lnRef idx="1">
-            <a:schemeClr val="accent1"/>
-          </a:lnRef>
-          <a:fillRef idx="0">
-            <a:schemeClr val="accent1"/>
-          </a:fillRef>
-          <a:effectRef idx="0">
-            <a:schemeClr val="accent1"/>
-          </a:effectRef>
-          <a:fontRef idx="minor">
-            <a:schemeClr val="tx1"/>
-          </a:fontRef>
-        </p:style>
-      </p:cxnSp>
-      <p:cxnSp>
-        <p:nvCxnSpPr>
-          <p:cNvPr id="17" name="Straight Arrow Connector 16">
-            <a:extLst>
-              <a:ext uri="{FF2B5EF4-FFF2-40B4-BE49-F238E27FC236}">
-                <a16:creationId xmlns:a16="http://schemas.microsoft.com/office/drawing/2014/main" xmlns="" id="{4FD403CC-EF35-4182-B7C1-35B37EA81583}"/>
-              </a:ext>
-            </a:extLst>
-          </p:cNvPr>
-          <p:cNvCxnSpPr>
-            <a:cxnSpLocks/>
-            <a:stCxn id="11" idx="3"/>
-            <a:endCxn id="12" idx="1"/>
-          </p:cNvCxnSpPr>
-          <p:nvPr/>
-        </p:nvCxnSpPr>
-        <p:spPr>
-          <a:xfrm>
-            <a:off x="3791744" y="5445224"/>
-            <a:ext cx="360040" cy="0"/>
-          </a:xfrm>
-          <a:prstGeom prst="straightConnector1">
-            <a:avLst/>
-          </a:prstGeom>
-          <a:ln>
-            <a:tailEnd type="triangle"/>
-          </a:ln>
-        </p:spPr>
-        <p:style>
-          <a:lnRef idx="1">
-            <a:schemeClr val="accent1"/>
-          </a:lnRef>
-          <a:fillRef idx="0">
-            <a:schemeClr val="accent1"/>
-          </a:fillRef>
-          <a:effectRef idx="0">
-            <a:schemeClr val="accent1"/>
-          </a:effectRef>
-          <a:fontRef idx="minor">
-            <a:schemeClr val="tx1"/>
-          </a:fontRef>
-        </p:style>
-      </p:cxnSp>
       <p:sp>
         <p:nvSpPr>
           <p:cNvPr id="3" name="TextBox 2"/>
@@ -2439,7 +1988,7 @@
         </p:nvSpPr>
         <p:spPr>
           <a:xfrm>
-            <a:off x="1595501" y="1694735"/>
+            <a:off x="579121" y="1703590"/>
             <a:ext cx="9001000" cy="584775"/>
           </a:xfrm>
           <a:prstGeom prst="rect">
@@ -2454,8 +2003,8 @@
           <a:lstStyle/>
           <a:p>
             <a:r>
-              <a:rPr lang="en-IE" sz="3200" dirty="0" err="1" smtClean="0"/>
-              <a:t>url</a:t>
+              <a:rPr lang="en-IE" sz="3200" dirty="0"/>
+              <a:t>https://github.com/kl996/xacc_presentation</a:t>
             </a:r>
             <a:endParaRPr lang="el-GR" sz="3200" dirty="0"/>
           </a:p>
@@ -3321,6 +2870,21 @@
 </file>
 
 <file path=customXml/item1.xml><?xml version="1.0" encoding="utf-8"?>
+<p:properties xmlns:p="http://schemas.microsoft.com/office/2006/metadata/properties" xmlns:xsi="http://www.w3.org/2001/XMLSchema-instance" xmlns:pc="http://schemas.microsoft.com/office/infopath/2007/PartnerControls">
+  <documentManagement/>
+</p:properties>
+</file>
+
+<file path=customXml/item2.xml><?xml version="1.0" encoding="utf-8"?>
+<?mso-contentType ?>
+<FormTemplates xmlns="http://schemas.microsoft.com/sharepoint/v3/contenttype/forms">
+  <Display>DocumentLibraryForm</Display>
+  <Edit>DocumentLibraryForm</Edit>
+  <New>DocumentLibraryForm</New>
+</FormTemplates>
+</file>
+
+<file path=customXml/item3.xml><?xml version="1.0" encoding="utf-8"?>
 <ct:contentTypeSchema xmlns:ct="http://schemas.microsoft.com/office/2006/metadata/contentType" xmlns:ma="http://schemas.microsoft.com/office/2006/metadata/properties/metaAttributes" ct:_="" ma:_="" ma:contentTypeName="Document" ma:contentTypeID="0x010100546B37FA43543848A1392F720DAB8DF3" ma:contentTypeVersion="12" ma:contentTypeDescription="Create a new document." ma:contentTypeScope="" ma:versionID="6df9016afe8d86350a8f3e4f8eed8e9c">
   <xsd:schema xmlns:xsd="http://www.w3.org/2001/XMLSchema" xmlns:xs="http://www.w3.org/2001/XMLSchema" xmlns:p="http://schemas.microsoft.com/office/2006/metadata/properties" xmlns:ns3="cb21ee11-b491-4c7a-a577-a95671055238" xmlns:ns4="cb35b90f-2172-463b-a28b-5ecc8e6d0938" targetNamespace="http://schemas.microsoft.com/office/2006/metadata/properties" ma:root="true" ma:fieldsID="be60cb04b440c17529edc7c4c51975a1" ns3:_="" ns4:_="">
     <xsd:import namespace="cb21ee11-b491-4c7a-a577-a95671055238"/>
@@ -3537,22 +3101,24 @@
 </ct:contentTypeSchema>
 </file>
 
-<file path=customXml/item2.xml><?xml version="1.0" encoding="utf-8"?>
-<?mso-contentType ?>
-<FormTemplates xmlns="http://schemas.microsoft.com/sharepoint/v3/contenttype/forms">
-  <Display>DocumentLibraryForm</Display>
-  <Edit>DocumentLibraryForm</Edit>
-  <New>DocumentLibraryForm</New>
-</FormTemplates>
+<file path=customXml/itemProps1.xml><?xml version="1.0" encoding="utf-8"?>
+<ds:datastoreItem xmlns:ds="http://schemas.openxmlformats.org/officeDocument/2006/customXml" ds:itemID="{BDC069C4-8BE5-43DF-9659-84C18D7F1AD9}">
+  <ds:schemaRefs>
+    <ds:schemaRef ds:uri="http://schemas.microsoft.com/office/2006/metadata/properties"/>
+    <ds:schemaRef ds:uri="http://schemas.microsoft.com/office/infopath/2007/PartnerControls"/>
+  </ds:schemaRefs>
+</ds:datastoreItem>
 </file>
 
-<file path=customXml/item3.xml><?xml version="1.0" encoding="utf-8"?>
-<p:properties xmlns:p="http://schemas.microsoft.com/office/2006/metadata/properties" xmlns:xsi="http://www.w3.org/2001/XMLSchema-instance" xmlns:pc="http://schemas.microsoft.com/office/infopath/2007/PartnerControls">
-  <documentManagement/>
-</p:properties>
+<file path=customXml/itemProps2.xml><?xml version="1.0" encoding="utf-8"?>
+<ds:datastoreItem xmlns:ds="http://schemas.openxmlformats.org/officeDocument/2006/customXml" ds:itemID="{DD93CF04-F355-4EB4-BEFD-BE59B64F447D}">
+  <ds:schemaRefs>
+    <ds:schemaRef ds:uri="http://schemas.microsoft.com/sharepoint/v3/contenttype/forms"/>
+  </ds:schemaRefs>
+</ds:datastoreItem>
 </file>
 
-<file path=customXml/itemProps1.xml><?xml version="1.0" encoding="utf-8"?>
+<file path=customXml/itemProps3.xml><?xml version="1.0" encoding="utf-8"?>
 <ds:datastoreItem xmlns:ds="http://schemas.openxmlformats.org/officeDocument/2006/customXml" ds:itemID="{7DF7A4D1-E745-4810-BCE4-0AFBFA4A3523}">
   <ds:schemaRefs>
     <ds:schemaRef ds:uri="http://schemas.microsoft.com/office/2006/metadata/contentType"/>
@@ -3569,21 +3135,4 @@
     <ds:schemaRef ds:uri="http://schemas.microsoft.com/internal/obd"/>
   </ds:schemaRefs>
 </ds:datastoreItem>
-</file>
-
-<file path=customXml/itemProps2.xml><?xml version="1.0" encoding="utf-8"?>
-<ds:datastoreItem xmlns:ds="http://schemas.openxmlformats.org/officeDocument/2006/customXml" ds:itemID="{DD93CF04-F355-4EB4-BEFD-BE59B64F447D}">
-  <ds:schemaRefs>
-    <ds:schemaRef ds:uri="http://schemas.microsoft.com/sharepoint/v3/contenttype/forms"/>
-  </ds:schemaRefs>
-</ds:datastoreItem>
-</file>
-
-<file path=customXml/itemProps3.xml><?xml version="1.0" encoding="utf-8"?>
-<ds:datastoreItem xmlns:ds="http://schemas.openxmlformats.org/officeDocument/2006/customXml" ds:itemID="{BDC069C4-8BE5-43DF-9659-84C18D7F1AD9}">
-  <ds:schemaRefs>
-    <ds:schemaRef ds:uri="http://schemas.microsoft.com/office/2006/metadata/properties"/>
-    <ds:schemaRef ds:uri="http://schemas.microsoft.com/office/infopath/2007/PartnerControls"/>
-  </ds:schemaRefs>
-</ds:datastoreItem>
 </file>
--- a/project_sotirios_konstantinos.pptx
+++ b/project_sotirios_konstantinos.pptx
@@ -1627,7 +1627,11 @@
           <a:p>
             <a:pPr algn="ctr"/>
             <a:r>
-              <a:rPr lang="en-IE" dirty="0" smtClean="0"/>
+              <a:rPr lang="en-IE" dirty="0" smtClean="0">
+                <a:solidFill>
+                  <a:schemeClr val="accent1"/>
+                </a:solidFill>
+              </a:rPr>
               <a:t>FPGA-powered Image reconstruction</a:t>
             </a:r>
             <a:r>
@@ -1638,37 +1642,73 @@
               <a:rPr lang="en-IE" dirty="0" smtClean="0"/>
             </a:br>
             <a:r>
-              <a:rPr lang="en-IE" dirty="0" err="1" smtClean="0"/>
+              <a:rPr lang="en-IE" dirty="0" err="1" smtClean="0">
+                <a:solidFill>
+                  <a:schemeClr val="accent4"/>
+                </a:solidFill>
+              </a:rPr>
               <a:t>Sotirios</a:t>
             </a:r>
             <a:r>
-              <a:rPr lang="en-IE" dirty="0" smtClean="0"/>
+              <a:rPr lang="en-IE" dirty="0" smtClean="0">
+                <a:solidFill>
+                  <a:schemeClr val="accent4"/>
+                </a:solidFill>
+              </a:rPr>
               <a:t> </a:t>
             </a:r>
             <a:r>
-              <a:rPr lang="en-IE" dirty="0" err="1" smtClean="0"/>
+              <a:rPr lang="en-IE" dirty="0" err="1" smtClean="0">
+                <a:solidFill>
+                  <a:schemeClr val="accent4"/>
+                </a:solidFill>
+              </a:rPr>
               <a:t>Panagiotou</a:t>
             </a:r>
             <a:r>
-              <a:rPr lang="en-IE" dirty="0" smtClean="0"/>
+              <a:rPr lang="en-IE" dirty="0" smtClean="0">
+                <a:solidFill>
+                  <a:schemeClr val="accent4"/>
+                </a:solidFill>
+              </a:rPr>
               <a:t> and Konstantinos </a:t>
             </a:r>
             <a:r>
-              <a:rPr lang="en-IE" dirty="0" err="1" smtClean="0"/>
+              <a:rPr lang="en-IE" dirty="0" err="1" smtClean="0">
+                <a:solidFill>
+                  <a:schemeClr val="accent4"/>
+                </a:solidFill>
+              </a:rPr>
               <a:t>Lazaridis</a:t>
             </a:r>
             <a:r>
-              <a:rPr lang="en-IE" dirty="0" smtClean="0"/>
+              <a:rPr lang="en-IE" dirty="0" smtClean="0">
+                <a:solidFill>
+                  <a:schemeClr val="accent4"/>
+                </a:solidFill>
+              </a:rPr>
               <a:t/>
             </a:r>
             <a:br>
-              <a:rPr lang="en-IE" dirty="0" smtClean="0"/>
+              <a:rPr lang="en-IE" dirty="0" smtClean="0">
+                <a:solidFill>
+                  <a:schemeClr val="accent4"/>
+                </a:solidFill>
+              </a:rPr>
             </a:br>
             <a:r>
-              <a:rPr lang="en-IE" dirty="0" smtClean="0"/>
+              <a:rPr lang="en-IE" dirty="0" smtClean="0">
+                <a:solidFill>
+                  <a:schemeClr val="accent4"/>
+                </a:solidFill>
+              </a:rPr>
               <a:t>N.T.U.A., Erasmus M.C.</a:t>
             </a:r>
-            <a:endParaRPr lang="en-IE" dirty="0"/>
+            <a:endParaRPr lang="en-IE" dirty="0">
+              <a:solidFill>
+                <a:schemeClr val="accent4"/>
+              </a:solidFill>
+            </a:endParaRPr>
           </a:p>
         </p:txBody>
       </p:sp>
@@ -1690,8 +1730,8 @@
         </p:nvSpPr>
         <p:spPr>
           <a:xfrm>
-            <a:off x="579121" y="2465232"/>
-            <a:ext cx="5364480" cy="1872208"/>
+            <a:off x="479376" y="2552499"/>
+            <a:ext cx="5948927" cy="2388670"/>
           </a:xfrm>
         </p:spPr>
         <p:txBody>
@@ -1700,23 +1740,36 @@
           <a:p>
             <a:r>
               <a:rPr lang="en-IE" dirty="0" smtClean="0"/>
-              <a:t>Project Summary</a:t>
+              <a:t>Project Summary:</a:t>
             </a:r>
           </a:p>
           <a:p>
             <a:pPr lvl="1"/>
             <a:r>
               <a:rPr lang="en-IE" dirty="0" smtClean="0"/>
-              <a:t>Read premade simulated pulse-sensor data</a:t>
+              <a:t>The project is part of ongoing research.</a:t>
             </a:r>
           </a:p>
           <a:p>
             <a:pPr lvl="1"/>
             <a:r>
               <a:rPr lang="en-IE" dirty="0" smtClean="0"/>
-              <a:t>Reconstruct the original image reconstruction</a:t>
-            </a:r>
-            <a:endParaRPr lang="en-IE" dirty="0"/>
+              <a:t>Image reconstruction from sensor array signal.</a:t>
+            </a:r>
+          </a:p>
+          <a:p>
+            <a:pPr lvl="1"/>
+            <a:r>
+              <a:rPr lang="en-IE" dirty="0" smtClean="0"/>
+              <a:t>Kernel: Multidimensional matrix multiplication.</a:t>
+            </a:r>
+          </a:p>
+          <a:p>
+            <a:pPr lvl="1"/>
+            <a:r>
+              <a:rPr lang="en-IE" dirty="0" smtClean="0"/>
+              <a:t>Intermediate matrices are too large, so we apply tiling to compute them inside the FPGA.</a:t>
+            </a:r>
           </a:p>
           <a:p>
             <a:pPr marL="232845" lvl="1" indent="0">
@@ -1728,43 +1781,49 @@
       </p:sp>
       <p:sp>
         <p:nvSpPr>
-          <p:cNvPr id="7" name="Content Placeholder 6">
-            <a:extLst>
-              <a:ext uri="{FF2B5EF4-FFF2-40B4-BE49-F238E27FC236}">
-                <a16:creationId xmlns="" xmlns:a16="http://schemas.microsoft.com/office/drawing/2014/main" id="{11BBD217-0F52-452B-8978-4DBFCF1C5840}"/>
-              </a:ext>
-            </a:extLst>
-          </p:cNvPr>
-          <p:cNvSpPr>
-            <a:spLocks noGrp="1"/>
-          </p:cNvSpPr>
-          <p:nvPr>
-            <p:ph sz="half" idx="2"/>
-          </p:nvPr>
+          <p:cNvPr id="3" name="TextBox 2"/>
+          <p:cNvSpPr txBox="1"/>
+          <p:nvPr/>
         </p:nvSpPr>
         <p:spPr>
           <a:xfrm>
-            <a:off x="6248401" y="2348880"/>
-            <a:ext cx="5364480" cy="1632046"/>
+            <a:off x="1595501" y="1807795"/>
+            <a:ext cx="9001000" cy="523220"/>
           </a:xfrm>
+          <a:prstGeom prst="rect">
+            <a:avLst/>
+          </a:prstGeom>
+          <a:noFill/>
         </p:spPr>
         <p:txBody>
-          <a:bodyPr/>
+          <a:bodyPr wrap="square" rtlCol="0">
+            <a:spAutoFit/>
+          </a:bodyPr>
           <a:lstStyle/>
           <a:p>
-            <a:r>
-              <a:rPr lang="en-IE" dirty="0"/>
-              <a:t>What did you learn, or what was interesting/difficult?</a:t>
-            </a:r>
+            <a:pPr algn="ctr"/>
+            <a:r>
+              <a:rPr lang="en-IE" sz="2800" dirty="0">
+                <a:solidFill>
+                  <a:schemeClr val="accent4"/>
+                </a:solidFill>
+              </a:rPr>
+              <a:t>https://github.com/kl996/xacc_presentation</a:t>
+            </a:r>
+            <a:endParaRPr lang="el-GR" sz="2800" dirty="0">
+              <a:solidFill>
+                <a:schemeClr val="accent4"/>
+              </a:solidFill>
+            </a:endParaRPr>
           </a:p>
         </p:txBody>
       </p:sp>
       <p:sp>
         <p:nvSpPr>
-          <p:cNvPr id="8" name="Content Placeholder 5">
+          <p:cNvPr id="20" name="Content Placeholder 5">
             <a:extLst>
               <a:ext uri="{FF2B5EF4-FFF2-40B4-BE49-F238E27FC236}">
-                <a16:creationId xmlns="" xmlns:a16="http://schemas.microsoft.com/office/drawing/2014/main" id="{7C6CE588-B9E7-4563-B32E-AEA28388DBC0}"/>
+                <a16:creationId xmlns="" xmlns:a16="http://schemas.microsoft.com/office/drawing/2014/main" id="{835B8C9C-D928-4BF3-AE74-96CE7BF3A31D}"/>
               </a:ext>
             </a:extLst>
           </p:cNvPr>
@@ -1775,8 +1834,8 @@
         </p:nvSpPr>
         <p:spPr>
           <a:xfrm>
-            <a:off x="6384032" y="4005064"/>
-            <a:ext cx="5364480" cy="2398007"/>
+            <a:off x="6528047" y="2552498"/>
+            <a:ext cx="5364480" cy="2592288"/>
           </a:xfrm>
           <a:prstGeom prst="rect">
             <a:avLst/>
@@ -1973,40 +2032,65 @@
           </a:lstStyle>
           <a:p>
             <a:r>
+              <a:rPr lang="en-IE" dirty="0"/>
+              <a:t>What we achieved</a:t>
+            </a:r>
+            <a:r>
               <a:rPr lang="en-IE" dirty="0" smtClean="0"/>
-              <a:t>Results:</a:t>
+              <a:t>:</a:t>
             </a:r>
             <a:endParaRPr lang="en-IE" dirty="0"/>
           </a:p>
-        </p:txBody>
-      </p:sp>
-      <p:sp>
-        <p:nvSpPr>
-          <p:cNvPr id="3" name="TextBox 2"/>
-          <p:cNvSpPr txBox="1"/>
-          <p:nvPr/>
-        </p:nvSpPr>
-        <p:spPr>
-          <a:xfrm>
-            <a:off x="579121" y="1703590"/>
-            <a:ext cx="9001000" cy="584775"/>
-          </a:xfrm>
-          <a:prstGeom prst="rect">
-            <a:avLst/>
-          </a:prstGeom>
-          <a:noFill/>
-        </p:spPr>
-        <p:txBody>
-          <a:bodyPr wrap="square" rtlCol="0">
-            <a:spAutoFit/>
-          </a:bodyPr>
-          <a:lstStyle/>
-          <a:p>
-            <a:r>
-              <a:rPr lang="en-IE" sz="3200" dirty="0"/>
-              <a:t>https://github.com/kl996/xacc_presentation</a:t>
-            </a:r>
-            <a:endParaRPr lang="el-GR" sz="3200" dirty="0"/>
+          <a:p>
+            <a:pPr lvl="1"/>
+            <a:r>
+              <a:rPr lang="en-IE" dirty="0" smtClean="0"/>
+              <a:t>Getting familiar with </a:t>
+            </a:r>
+            <a:r>
+              <a:rPr lang="en-IE" dirty="0" err="1" smtClean="0"/>
+              <a:t>Vitis</a:t>
+            </a:r>
+            <a:r>
+              <a:rPr lang="en-IE" dirty="0" smtClean="0"/>
+              <a:t> environment.</a:t>
+            </a:r>
+          </a:p>
+          <a:p>
+            <a:pPr lvl="1"/>
+            <a:r>
+              <a:rPr lang="en-IE" dirty="0" smtClean="0"/>
+              <a:t>Extract HLS ready C, from original </a:t>
+            </a:r>
+            <a:r>
+              <a:rPr lang="en-IE" dirty="0" err="1" smtClean="0"/>
+              <a:t>MatLab</a:t>
+            </a:r>
+            <a:r>
+              <a:rPr lang="en-IE" dirty="0" smtClean="0"/>
+              <a:t> code.</a:t>
+            </a:r>
+          </a:p>
+          <a:p>
+            <a:pPr lvl="1"/>
+            <a:r>
+              <a:rPr lang="en-IE" dirty="0" smtClean="0"/>
+              <a:t>Synthesize kernel code.</a:t>
+            </a:r>
+          </a:p>
+          <a:p>
+            <a:pPr lvl="1"/>
+            <a:r>
+              <a:rPr lang="en-IE" dirty="0" smtClean="0"/>
+              <a:t>Test HLS Pragmas.</a:t>
+            </a:r>
+          </a:p>
+          <a:p>
+            <a:pPr lvl="1"/>
+            <a:r>
+              <a:rPr lang="en-IE" dirty="0" smtClean="0"/>
+              <a:t>Getting busy with debugging.</a:t>
+            </a:r>
           </a:p>
         </p:txBody>
       </p:sp>
